--- a/3조 프로젝트개요 발표자료_v1.pptx
+++ b/3조 프로젝트개요 발표자료_v1.pptx
@@ -4889,7 +4889,21 @@
                 <a:latin typeface="나눔고딕" panose="020D0604000000000000" pitchFamily="50" charset="-127"/>
                 <a:ea typeface="나눔고딕" panose="020D0604000000000000" pitchFamily="50" charset="-127"/>
               </a:rPr>
-              <a:t>일 주행거리가 매년 줄어 들고 있음</a:t>
+              <a:t>일 </a:t>
+            </a:r>
+            <a:r>
+              <a:rPr lang="ko-KR" altLang="en-US" dirty="0" smtClean="0">
+                <a:latin typeface="나눔고딕" panose="020D0604000000000000" pitchFamily="50" charset="-127"/>
+                <a:ea typeface="나눔고딕" panose="020D0604000000000000" pitchFamily="50" charset="-127"/>
+              </a:rPr>
+              <a:t>평균 주행거리가 </a:t>
+            </a:r>
+            <a:r>
+              <a:rPr lang="ko-KR" altLang="en-US" dirty="0" smtClean="0">
+                <a:latin typeface="나눔고딕" panose="020D0604000000000000" pitchFamily="50" charset="-127"/>
+                <a:ea typeface="나눔고딕" panose="020D0604000000000000" pitchFamily="50" charset="-127"/>
+              </a:rPr>
+              <a:t>매년 줄어 들고 있음</a:t>
             </a:r>
             <a:r>
               <a:rPr lang="en-US" altLang="ko-KR" dirty="0" smtClean="0">

--- a/3조 프로젝트개요 발표자료_v1.pptx
+++ b/3조 프로젝트개요 발표자료_v1.pptx
@@ -4521,8 +4521,8 @@
         </p:nvSpPr>
         <p:spPr>
           <a:xfrm>
-            <a:off x="3051398" y="2011682"/>
-            <a:ext cx="6088526" cy="769441"/>
+            <a:off x="3174829" y="2011682"/>
+            <a:ext cx="5841663" cy="769441"/>
           </a:xfrm>
           <a:prstGeom prst="rect">
             <a:avLst/>
@@ -4541,7 +4541,21 @@
                 <a:latin typeface="나눔고딕" panose="020D0604000000000000" pitchFamily="50" charset="-127"/>
                 <a:ea typeface="나눔고딕" panose="020D0604000000000000" pitchFamily="50" charset="-127"/>
               </a:rPr>
-              <a:t>2nd  </a:t>
+              <a:t>2</a:t>
+            </a:r>
+            <a:r>
+              <a:rPr lang="en-US" altLang="ko-KR" sz="2800" b="1" dirty="0">
+                <a:latin typeface="나눔고딕" panose="020D0604000000000000" pitchFamily="50" charset="-127"/>
+                <a:ea typeface="나눔고딕" panose="020D0604000000000000" pitchFamily="50" charset="-127"/>
+              </a:rPr>
+              <a:t>nd</a:t>
+            </a:r>
+            <a:r>
+              <a:rPr lang="en-US" altLang="ko-KR" sz="4400" b="1" dirty="0">
+                <a:latin typeface="나눔고딕" panose="020D0604000000000000" pitchFamily="50" charset="-127"/>
+                <a:ea typeface="나눔고딕" panose="020D0604000000000000" pitchFamily="50" charset="-127"/>
+              </a:rPr>
+              <a:t>  </a:t>
             </a:r>
             <a:r>
               <a:rPr lang="ko-KR" altLang="en-US" sz="4400" b="1" dirty="0">
@@ -4889,21 +4903,7 @@
                 <a:latin typeface="나눔고딕" panose="020D0604000000000000" pitchFamily="50" charset="-127"/>
                 <a:ea typeface="나눔고딕" panose="020D0604000000000000" pitchFamily="50" charset="-127"/>
               </a:rPr>
-              <a:t>일 </a:t>
-            </a:r>
-            <a:r>
-              <a:rPr lang="ko-KR" altLang="en-US" dirty="0" smtClean="0">
-                <a:latin typeface="나눔고딕" panose="020D0604000000000000" pitchFamily="50" charset="-127"/>
-                <a:ea typeface="나눔고딕" panose="020D0604000000000000" pitchFamily="50" charset="-127"/>
-              </a:rPr>
-              <a:t>평균 주행거리가 </a:t>
-            </a:r>
-            <a:r>
-              <a:rPr lang="ko-KR" altLang="en-US" dirty="0" smtClean="0">
-                <a:latin typeface="나눔고딕" panose="020D0604000000000000" pitchFamily="50" charset="-127"/>
-                <a:ea typeface="나눔고딕" panose="020D0604000000000000" pitchFamily="50" charset="-127"/>
-              </a:rPr>
-              <a:t>매년 줄어 들고 있음</a:t>
+              <a:t>일 평균 주행거리가 매년 줄어 들고 있음</a:t>
             </a:r>
             <a:r>
               <a:rPr lang="en-US" altLang="ko-KR" dirty="0" smtClean="0">
